--- a/doc/WIT.pptx
+++ b/doc/WIT.pptx
@@ -14,6 +14,7 @@
     <p:sldId id="263" r:id="rId8"/>
     <p:sldId id="264" r:id="rId9"/>
     <p:sldId id="265" r:id="rId10"/>
+    <p:sldId id="266" r:id="rId11"/>
   </p:sldIdLst>
   <p:sldSz cx="9144000" cy="6858000" type="screen4x3"/>
   <p:notesSz cx="6858000" cy="9144000"/>
@@ -2630,7 +2631,7 @@
             <a:fld id="{530820CF-B880-4189-942D-D702A7CBA730}" type="datetimeFigureOut">
               <a:rPr lang="zh-CN" altLang="en-US" smtClean="0"/>
               <a:pPr/>
-              <a:t>2017/12/20</a:t>
+              <a:t>2018/1/12</a:t>
             </a:fld>
             <a:endParaRPr lang="zh-CN" altLang="en-US"/>
           </a:p>
@@ -2797,7 +2798,7 @@
             <a:fld id="{530820CF-B880-4189-942D-D702A7CBA730}" type="datetimeFigureOut">
               <a:rPr lang="zh-CN" altLang="en-US" smtClean="0"/>
               <a:pPr/>
-              <a:t>2017/12/20</a:t>
+              <a:t>2018/1/12</a:t>
             </a:fld>
             <a:endParaRPr lang="zh-CN" altLang="en-US"/>
           </a:p>
@@ -2974,7 +2975,7 @@
             <a:fld id="{530820CF-B880-4189-942D-D702A7CBA730}" type="datetimeFigureOut">
               <a:rPr lang="zh-CN" altLang="en-US" smtClean="0"/>
               <a:pPr/>
-              <a:t>2017/12/20</a:t>
+              <a:t>2018/1/12</a:t>
             </a:fld>
             <a:endParaRPr lang="zh-CN" altLang="en-US"/>
           </a:p>
@@ -3141,7 +3142,7 @@
             <a:fld id="{530820CF-B880-4189-942D-D702A7CBA730}" type="datetimeFigureOut">
               <a:rPr lang="zh-CN" altLang="en-US" smtClean="0"/>
               <a:pPr/>
-              <a:t>2017/12/20</a:t>
+              <a:t>2018/1/12</a:t>
             </a:fld>
             <a:endParaRPr lang="zh-CN" altLang="en-US"/>
           </a:p>
@@ -3384,7 +3385,7 @@
             <a:fld id="{530820CF-B880-4189-942D-D702A7CBA730}" type="datetimeFigureOut">
               <a:rPr lang="zh-CN" altLang="en-US" smtClean="0"/>
               <a:pPr/>
-              <a:t>2017/12/20</a:t>
+              <a:t>2018/1/12</a:t>
             </a:fld>
             <a:endParaRPr lang="zh-CN" altLang="en-US"/>
           </a:p>
@@ -3669,7 +3670,7 @@
             <a:fld id="{530820CF-B880-4189-942D-D702A7CBA730}" type="datetimeFigureOut">
               <a:rPr lang="zh-CN" altLang="en-US" smtClean="0"/>
               <a:pPr/>
-              <a:t>2017/12/20</a:t>
+              <a:t>2018/1/12</a:t>
             </a:fld>
             <a:endParaRPr lang="zh-CN" altLang="en-US"/>
           </a:p>
@@ -4088,7 +4089,7 @@
             <a:fld id="{530820CF-B880-4189-942D-D702A7CBA730}" type="datetimeFigureOut">
               <a:rPr lang="zh-CN" altLang="en-US" smtClean="0"/>
               <a:pPr/>
-              <a:t>2017/12/20</a:t>
+              <a:t>2018/1/12</a:t>
             </a:fld>
             <a:endParaRPr lang="zh-CN" altLang="en-US"/>
           </a:p>
@@ -4203,7 +4204,7 @@
             <a:fld id="{530820CF-B880-4189-942D-D702A7CBA730}" type="datetimeFigureOut">
               <a:rPr lang="zh-CN" altLang="en-US" smtClean="0"/>
               <a:pPr/>
-              <a:t>2017/12/20</a:t>
+              <a:t>2018/1/12</a:t>
             </a:fld>
             <a:endParaRPr lang="zh-CN" altLang="en-US"/>
           </a:p>
@@ -4295,7 +4296,7 @@
             <a:fld id="{530820CF-B880-4189-942D-D702A7CBA730}" type="datetimeFigureOut">
               <a:rPr lang="zh-CN" altLang="en-US" smtClean="0"/>
               <a:pPr/>
-              <a:t>2017/12/20</a:t>
+              <a:t>2018/1/12</a:t>
             </a:fld>
             <a:endParaRPr lang="zh-CN" altLang="en-US"/>
           </a:p>
@@ -4569,7 +4570,7 @@
             <a:fld id="{530820CF-B880-4189-942D-D702A7CBA730}" type="datetimeFigureOut">
               <a:rPr lang="zh-CN" altLang="en-US" smtClean="0"/>
               <a:pPr/>
-              <a:t>2017/12/20</a:t>
+              <a:t>2018/1/12</a:t>
             </a:fld>
             <a:endParaRPr lang="zh-CN" altLang="en-US"/>
           </a:p>
@@ -4819,7 +4820,7 @@
             <a:fld id="{530820CF-B880-4189-942D-D702A7CBA730}" type="datetimeFigureOut">
               <a:rPr lang="zh-CN" altLang="en-US" smtClean="0"/>
               <a:pPr/>
-              <a:t>2017/12/20</a:t>
+              <a:t>2018/1/12</a:t>
             </a:fld>
             <a:endParaRPr lang="zh-CN" altLang="en-US"/>
           </a:p>
@@ -5029,7 +5030,7 @@
             <a:fld id="{530820CF-B880-4189-942D-D702A7CBA730}" type="datetimeFigureOut">
               <a:rPr lang="zh-CN" altLang="en-US" smtClean="0"/>
               <a:pPr/>
-              <a:t>2017/12/20</a:t>
+              <a:t>2018/1/12</a:t>
             </a:fld>
             <a:endParaRPr lang="zh-CN" altLang="en-US"/>
           </a:p>
@@ -6018,6 +6019,672 @@
               <a:t>Check list, and then Run program</a:t>
             </a:r>
             <a:endParaRPr lang="zh-CN" altLang="en-US" dirty="0" smtClean="0"/>
+          </a:p>
+        </p:txBody>
+      </p:sp>
+    </p:spTree>
+  </p:cSld>
+  <p:clrMapOvr>
+    <a:masterClrMapping/>
+  </p:clrMapOvr>
+</p:sld>
+</file>
+
+<file path=ppt/slides/slide10.xml><?xml version="1.0" encoding="utf-8"?>
+<p:sld xmlns:a="http://schemas.openxmlformats.org/drawingml/2006/main" xmlns:r="http://schemas.openxmlformats.org/officeDocument/2006/relationships" xmlns:p="http://schemas.openxmlformats.org/presentationml/2006/main">
+  <p:cSld>
+    <p:spTree>
+      <p:nvGrpSpPr>
+        <p:cNvPr id="1" name=""/>
+        <p:cNvGrpSpPr/>
+        <p:nvPr/>
+      </p:nvGrpSpPr>
+      <p:grpSpPr>
+        <a:xfrm>
+          <a:off x="0" y="0"/>
+          <a:ext cx="0" cy="0"/>
+          <a:chOff x="0" y="0"/>
+          <a:chExt cx="0" cy="0"/>
+        </a:xfrm>
+      </p:grpSpPr>
+      <p:sp>
+        <p:nvSpPr>
+          <p:cNvPr id="2" name="标题 1"/>
+          <p:cNvSpPr>
+            <a:spLocks noGrp="1"/>
+          </p:cNvSpPr>
+          <p:nvPr>
+            <p:ph type="title"/>
+          </p:nvPr>
+        </p:nvSpPr>
+        <p:spPr/>
+        <p:txBody>
+          <a:bodyPr/>
+          <a:lstStyle/>
+          <a:p>
+            <a:endParaRPr lang="zh-CN" altLang="en-US"/>
+          </a:p>
+        </p:txBody>
+      </p:sp>
+      <p:sp>
+        <p:nvSpPr>
+          <p:cNvPr id="6" name="圆角矩形 5"/>
+          <p:cNvSpPr/>
+          <p:nvPr/>
+        </p:nvSpPr>
+        <p:spPr>
+          <a:xfrm>
+            <a:off x="928662" y="2285992"/>
+            <a:ext cx="571504" cy="428628"/>
+          </a:xfrm>
+          <a:prstGeom prst="roundRect">
+            <a:avLst/>
+          </a:prstGeom>
+          <a:solidFill>
+            <a:schemeClr val="accent2"/>
+          </a:solidFill>
+        </p:spPr>
+        <p:style>
+          <a:lnRef idx="2">
+            <a:schemeClr val="accent1">
+              <a:shade val="50000"/>
+            </a:schemeClr>
+          </a:lnRef>
+          <a:fillRef idx="1">
+            <a:schemeClr val="accent1"/>
+          </a:fillRef>
+          <a:effectRef idx="0">
+            <a:schemeClr val="accent1"/>
+          </a:effectRef>
+          <a:fontRef idx="minor">
+            <a:schemeClr val="lt1"/>
+          </a:fontRef>
+        </p:style>
+        <p:txBody>
+          <a:bodyPr rtlCol="0" anchor="ctr"/>
+          <a:lstStyle/>
+          <a:p>
+            <a:pPr algn="ctr"/>
+            <a:r>
+              <a:rPr lang="en-US" altLang="zh-CN" sz="1200" dirty="0" smtClean="0"/>
+              <a:t>pin</a:t>
+            </a:r>
+            <a:endParaRPr lang="zh-CN" altLang="en-US" sz="1200" dirty="0"/>
+          </a:p>
+        </p:txBody>
+      </p:sp>
+      <p:sp>
+        <p:nvSpPr>
+          <p:cNvPr id="8" name="圆角矩形 7"/>
+          <p:cNvSpPr/>
+          <p:nvPr/>
+        </p:nvSpPr>
+        <p:spPr>
+          <a:xfrm>
+            <a:off x="2643174" y="2285992"/>
+            <a:ext cx="857256" cy="428628"/>
+          </a:xfrm>
+          <a:prstGeom prst="roundRect">
+            <a:avLst/>
+          </a:prstGeom>
+          <a:solidFill>
+            <a:schemeClr val="accent2"/>
+          </a:solidFill>
+        </p:spPr>
+        <p:style>
+          <a:lnRef idx="2">
+            <a:schemeClr val="accent1">
+              <a:shade val="50000"/>
+            </a:schemeClr>
+          </a:lnRef>
+          <a:fillRef idx="1">
+            <a:schemeClr val="accent1"/>
+          </a:fillRef>
+          <a:effectRef idx="0">
+            <a:schemeClr val="accent1"/>
+          </a:effectRef>
+          <a:fontRef idx="minor">
+            <a:schemeClr val="lt1"/>
+          </a:fontRef>
+        </p:style>
+        <p:txBody>
+          <a:bodyPr rtlCol="0" anchor="ctr"/>
+          <a:lstStyle/>
+          <a:p>
+            <a:pPr algn="ctr"/>
+            <a:r>
+              <a:rPr lang="en-US" altLang="zh-CN" sz="1200" dirty="0" smtClean="0"/>
+              <a:t>continuity</a:t>
+            </a:r>
+            <a:endParaRPr lang="zh-CN" altLang="en-US" sz="1200" dirty="0"/>
+          </a:p>
+        </p:txBody>
+      </p:sp>
+      <p:sp>
+        <p:nvSpPr>
+          <p:cNvPr id="9" name="圆角矩形 8"/>
+          <p:cNvSpPr/>
+          <p:nvPr/>
+        </p:nvSpPr>
+        <p:spPr>
+          <a:xfrm>
+            <a:off x="2643174" y="3500438"/>
+            <a:ext cx="858050" cy="428628"/>
+          </a:xfrm>
+          <a:prstGeom prst="roundRect">
+            <a:avLst/>
+          </a:prstGeom>
+          <a:solidFill>
+            <a:schemeClr val="accent2"/>
+          </a:solidFill>
+        </p:spPr>
+        <p:style>
+          <a:lnRef idx="2">
+            <a:schemeClr val="accent1">
+              <a:shade val="50000"/>
+            </a:schemeClr>
+          </a:lnRef>
+          <a:fillRef idx="1">
+            <a:schemeClr val="accent1"/>
+          </a:fillRef>
+          <a:effectRef idx="0">
+            <a:schemeClr val="accent1"/>
+          </a:effectRef>
+          <a:fontRef idx="minor">
+            <a:schemeClr val="lt1"/>
+          </a:fontRef>
+        </p:style>
+        <p:txBody>
+          <a:bodyPr rtlCol="0" anchor="ctr"/>
+          <a:lstStyle/>
+          <a:p>
+            <a:pPr algn="ctr"/>
+            <a:r>
+              <a:rPr lang="en-US" altLang="zh-CN" sz="1200" dirty="0" smtClean="0"/>
+              <a:t>insulation</a:t>
+            </a:r>
+            <a:endParaRPr lang="zh-CN" altLang="en-US" sz="1200" dirty="0"/>
+          </a:p>
+        </p:txBody>
+      </p:sp>
+      <p:sp>
+        <p:nvSpPr>
+          <p:cNvPr id="10" name="圆角矩形 9"/>
+          <p:cNvSpPr/>
+          <p:nvPr/>
+        </p:nvSpPr>
+        <p:spPr>
+          <a:xfrm>
+            <a:off x="4429124" y="2285992"/>
+            <a:ext cx="571504" cy="428628"/>
+          </a:xfrm>
+          <a:prstGeom prst="roundRect">
+            <a:avLst/>
+          </a:prstGeom>
+          <a:solidFill>
+            <a:schemeClr val="accent2"/>
+          </a:solidFill>
+        </p:spPr>
+        <p:style>
+          <a:lnRef idx="2">
+            <a:schemeClr val="accent1">
+              <a:shade val="50000"/>
+            </a:schemeClr>
+          </a:lnRef>
+          <a:fillRef idx="1">
+            <a:schemeClr val="accent1"/>
+          </a:fillRef>
+          <a:effectRef idx="0">
+            <a:schemeClr val="accent1"/>
+          </a:effectRef>
+          <a:fontRef idx="minor">
+            <a:schemeClr val="lt1"/>
+          </a:fontRef>
+        </p:style>
+        <p:txBody>
+          <a:bodyPr rtlCol="0" anchor="ctr"/>
+          <a:lstStyle/>
+          <a:p>
+            <a:pPr algn="ctr"/>
+            <a:r>
+              <a:rPr lang="en-US" altLang="zh-CN" sz="1200" dirty="0" smtClean="0"/>
+              <a:t>pin</a:t>
+            </a:r>
+            <a:endParaRPr lang="zh-CN" altLang="en-US" sz="1200" dirty="0"/>
+          </a:p>
+        </p:txBody>
+      </p:sp>
+      <p:sp>
+        <p:nvSpPr>
+          <p:cNvPr id="11" name="圆角矩形 10"/>
+          <p:cNvSpPr/>
+          <p:nvPr/>
+        </p:nvSpPr>
+        <p:spPr>
+          <a:xfrm>
+            <a:off x="927868" y="3501232"/>
+            <a:ext cx="571504" cy="428628"/>
+          </a:xfrm>
+          <a:prstGeom prst="roundRect">
+            <a:avLst/>
+          </a:prstGeom>
+          <a:solidFill>
+            <a:schemeClr val="accent2"/>
+          </a:solidFill>
+        </p:spPr>
+        <p:style>
+          <a:lnRef idx="2">
+            <a:schemeClr val="accent1">
+              <a:shade val="50000"/>
+            </a:schemeClr>
+          </a:lnRef>
+          <a:fillRef idx="1">
+            <a:schemeClr val="accent1"/>
+          </a:fillRef>
+          <a:effectRef idx="0">
+            <a:schemeClr val="accent1"/>
+          </a:effectRef>
+          <a:fontRef idx="minor">
+            <a:schemeClr val="lt1"/>
+          </a:fontRef>
+        </p:style>
+        <p:txBody>
+          <a:bodyPr rtlCol="0" anchor="ctr"/>
+          <a:lstStyle/>
+          <a:p>
+            <a:pPr algn="ctr"/>
+            <a:r>
+              <a:rPr lang="en-US" altLang="zh-CN" sz="1200" dirty="0" smtClean="0"/>
+              <a:t>pin</a:t>
+            </a:r>
+            <a:endParaRPr lang="zh-CN" altLang="en-US" sz="1200" dirty="0"/>
+          </a:p>
+        </p:txBody>
+      </p:sp>
+      <p:cxnSp>
+        <p:nvCxnSpPr>
+          <p:cNvPr id="13" name="直接箭头连接符 12"/>
+          <p:cNvCxnSpPr>
+            <a:stCxn id="6" idx="3"/>
+            <a:endCxn id="8" idx="1"/>
+          </p:cNvCxnSpPr>
+          <p:nvPr/>
+        </p:nvCxnSpPr>
+        <p:spPr>
+          <a:xfrm>
+            <a:off x="1500166" y="2500306"/>
+            <a:ext cx="1143008" cy="1588"/>
+          </a:xfrm>
+          <a:prstGeom prst="straightConnector1">
+            <a:avLst/>
+          </a:prstGeom>
+          <a:ln>
+            <a:tailEnd type="arrow"/>
+          </a:ln>
+        </p:spPr>
+        <p:style>
+          <a:lnRef idx="1">
+            <a:schemeClr val="accent1"/>
+          </a:lnRef>
+          <a:fillRef idx="0">
+            <a:schemeClr val="accent1"/>
+          </a:fillRef>
+          <a:effectRef idx="0">
+            <a:schemeClr val="accent1"/>
+          </a:effectRef>
+          <a:fontRef idx="minor">
+            <a:schemeClr val="tx1"/>
+          </a:fontRef>
+        </p:style>
+      </p:cxnSp>
+      <p:cxnSp>
+        <p:nvCxnSpPr>
+          <p:cNvPr id="15" name="直接箭头连接符 14"/>
+          <p:cNvCxnSpPr>
+            <a:stCxn id="8" idx="3"/>
+            <a:endCxn id="10" idx="1"/>
+          </p:cNvCxnSpPr>
+          <p:nvPr/>
+        </p:nvCxnSpPr>
+        <p:spPr>
+          <a:xfrm>
+            <a:off x="3500430" y="2500306"/>
+            <a:ext cx="928694" cy="1588"/>
+          </a:xfrm>
+          <a:prstGeom prst="straightConnector1">
+            <a:avLst/>
+          </a:prstGeom>
+          <a:ln>
+            <a:tailEnd type="arrow"/>
+          </a:ln>
+        </p:spPr>
+        <p:style>
+          <a:lnRef idx="1">
+            <a:schemeClr val="accent1"/>
+          </a:lnRef>
+          <a:fillRef idx="0">
+            <a:schemeClr val="accent1"/>
+          </a:fillRef>
+          <a:effectRef idx="0">
+            <a:schemeClr val="accent1"/>
+          </a:effectRef>
+          <a:fontRef idx="minor">
+            <a:schemeClr val="tx1"/>
+          </a:fontRef>
+        </p:style>
+      </p:cxnSp>
+      <p:cxnSp>
+        <p:nvCxnSpPr>
+          <p:cNvPr id="17" name="直接箭头连接符 16"/>
+          <p:cNvCxnSpPr>
+            <a:stCxn id="11" idx="3"/>
+            <a:endCxn id="9" idx="1"/>
+          </p:cNvCxnSpPr>
+          <p:nvPr/>
+        </p:nvCxnSpPr>
+        <p:spPr>
+          <a:xfrm flipV="1">
+            <a:off x="1499372" y="3714752"/>
+            <a:ext cx="1143802" cy="794"/>
+          </a:xfrm>
+          <a:prstGeom prst="straightConnector1">
+            <a:avLst/>
+          </a:prstGeom>
+          <a:ln>
+            <a:tailEnd type="arrow"/>
+          </a:ln>
+        </p:spPr>
+        <p:style>
+          <a:lnRef idx="1">
+            <a:schemeClr val="accent1"/>
+          </a:lnRef>
+          <a:fillRef idx="0">
+            <a:schemeClr val="accent1"/>
+          </a:fillRef>
+          <a:effectRef idx="0">
+            <a:schemeClr val="accent1"/>
+          </a:effectRef>
+          <a:fontRef idx="minor">
+            <a:schemeClr val="tx1"/>
+          </a:fontRef>
+        </p:style>
+      </p:cxnSp>
+      <p:cxnSp>
+        <p:nvCxnSpPr>
+          <p:cNvPr id="19" name="直接箭头连接符 18"/>
+          <p:cNvCxnSpPr>
+            <a:stCxn id="9" idx="3"/>
+            <a:endCxn id="21" idx="1"/>
+          </p:cNvCxnSpPr>
+          <p:nvPr/>
+        </p:nvCxnSpPr>
+        <p:spPr>
+          <a:xfrm>
+            <a:off x="3501224" y="3714752"/>
+            <a:ext cx="927106" cy="794"/>
+          </a:xfrm>
+          <a:prstGeom prst="straightConnector1">
+            <a:avLst/>
+          </a:prstGeom>
+          <a:ln>
+            <a:tailEnd type="arrow"/>
+          </a:ln>
+        </p:spPr>
+        <p:style>
+          <a:lnRef idx="1">
+            <a:schemeClr val="accent1"/>
+          </a:lnRef>
+          <a:fillRef idx="0">
+            <a:schemeClr val="accent1"/>
+          </a:fillRef>
+          <a:effectRef idx="0">
+            <a:schemeClr val="accent1"/>
+          </a:effectRef>
+          <a:fontRef idx="minor">
+            <a:schemeClr val="tx1"/>
+          </a:fontRef>
+        </p:style>
+      </p:cxnSp>
+      <p:sp>
+        <p:nvSpPr>
+          <p:cNvPr id="21" name="圆角矩形 20"/>
+          <p:cNvSpPr/>
+          <p:nvPr/>
+        </p:nvSpPr>
+        <p:spPr>
+          <a:xfrm>
+            <a:off x="4428330" y="3501232"/>
+            <a:ext cx="571504" cy="428628"/>
+          </a:xfrm>
+          <a:prstGeom prst="roundRect">
+            <a:avLst/>
+          </a:prstGeom>
+          <a:solidFill>
+            <a:schemeClr val="accent2"/>
+          </a:solidFill>
+        </p:spPr>
+        <p:style>
+          <a:lnRef idx="2">
+            <a:schemeClr val="accent1">
+              <a:shade val="50000"/>
+            </a:schemeClr>
+          </a:lnRef>
+          <a:fillRef idx="1">
+            <a:schemeClr val="accent1"/>
+          </a:fillRef>
+          <a:effectRef idx="0">
+            <a:schemeClr val="accent1"/>
+          </a:effectRef>
+          <a:fontRef idx="minor">
+            <a:schemeClr val="lt1"/>
+          </a:fontRef>
+        </p:style>
+        <p:txBody>
+          <a:bodyPr rtlCol="0" anchor="ctr"/>
+          <a:lstStyle/>
+          <a:p>
+            <a:pPr algn="ctr"/>
+            <a:r>
+              <a:rPr lang="en-US" altLang="zh-CN" sz="1200" dirty="0" smtClean="0"/>
+              <a:t>pin</a:t>
+            </a:r>
+            <a:endParaRPr lang="zh-CN" altLang="en-US" sz="1200" dirty="0"/>
+          </a:p>
+        </p:txBody>
+      </p:sp>
+      <p:cxnSp>
+        <p:nvCxnSpPr>
+          <p:cNvPr id="29" name="肘形连接符 28"/>
+          <p:cNvCxnSpPr>
+            <a:stCxn id="11" idx="0"/>
+            <a:endCxn id="21" idx="0"/>
+          </p:cNvCxnSpPr>
+          <p:nvPr/>
+        </p:nvCxnSpPr>
+        <p:spPr>
+          <a:xfrm rot="5400000" flipH="1" flipV="1">
+            <a:off x="2963851" y="1751001"/>
+            <a:ext cx="1588" cy="3500462"/>
+          </a:xfrm>
+          <a:prstGeom prst="bentConnector3">
+            <a:avLst>
+              <a:gd name="adj1" fmla="val 19193961"/>
+            </a:avLst>
+          </a:prstGeom>
+          <a:ln>
+            <a:headEnd type="arrow"/>
+            <a:tailEnd type="arrow"/>
+          </a:ln>
+        </p:spPr>
+        <p:style>
+          <a:lnRef idx="1">
+            <a:schemeClr val="accent1"/>
+          </a:lnRef>
+          <a:fillRef idx="0">
+            <a:schemeClr val="accent1"/>
+          </a:fillRef>
+          <a:effectRef idx="0">
+            <a:schemeClr val="accent1"/>
+          </a:effectRef>
+          <a:fontRef idx="minor">
+            <a:schemeClr val="tx1"/>
+          </a:fontRef>
+        </p:style>
+      </p:cxnSp>
+      <p:cxnSp>
+        <p:nvCxnSpPr>
+          <p:cNvPr id="31" name="肘形连接符 30"/>
+          <p:cNvCxnSpPr>
+            <a:stCxn id="6" idx="0"/>
+            <a:endCxn id="10" idx="0"/>
+          </p:cNvCxnSpPr>
+          <p:nvPr/>
+        </p:nvCxnSpPr>
+        <p:spPr>
+          <a:xfrm rot="5400000" flipH="1" flipV="1">
+            <a:off x="2964645" y="535761"/>
+            <a:ext cx="1588" cy="3500462"/>
+          </a:xfrm>
+          <a:prstGeom prst="bentConnector3">
+            <a:avLst>
+              <a:gd name="adj1" fmla="val 20633508"/>
+            </a:avLst>
+          </a:prstGeom>
+          <a:ln>
+            <a:headEnd type="arrow"/>
+            <a:tailEnd type="arrow"/>
+          </a:ln>
+        </p:spPr>
+        <p:style>
+          <a:lnRef idx="1">
+            <a:schemeClr val="accent1"/>
+          </a:lnRef>
+          <a:fillRef idx="0">
+            <a:schemeClr val="accent1"/>
+          </a:fillRef>
+          <a:effectRef idx="0">
+            <a:schemeClr val="accent1"/>
+          </a:effectRef>
+          <a:fontRef idx="minor">
+            <a:schemeClr val="tx1"/>
+          </a:fontRef>
+        </p:style>
+      </p:cxnSp>
+      <p:sp>
+        <p:nvSpPr>
+          <p:cNvPr id="32" name="椭圆 31"/>
+          <p:cNvSpPr/>
+          <p:nvPr/>
+        </p:nvSpPr>
+        <p:spPr>
+          <a:xfrm>
+            <a:off x="2928926" y="1785926"/>
+            <a:ext cx="357190" cy="357190"/>
+          </a:xfrm>
+          <a:prstGeom prst="ellipse">
+            <a:avLst/>
+          </a:prstGeom>
+          <a:solidFill>
+            <a:schemeClr val="accent2"/>
+          </a:solidFill>
+        </p:spPr>
+        <p:style>
+          <a:lnRef idx="2">
+            <a:schemeClr val="accent1">
+              <a:shade val="50000"/>
+            </a:schemeClr>
+          </a:lnRef>
+          <a:fillRef idx="1">
+            <a:schemeClr val="accent1"/>
+          </a:fillRef>
+          <a:effectRef idx="0">
+            <a:schemeClr val="accent1"/>
+          </a:effectRef>
+          <a:fontRef idx="minor">
+            <a:schemeClr val="lt1"/>
+          </a:fontRef>
+        </p:style>
+        <p:txBody>
+          <a:bodyPr rtlCol="0" anchor="ctr"/>
+          <a:lstStyle/>
+          <a:p>
+            <a:pPr algn="ctr"/>
+            <a:endParaRPr lang="zh-CN" altLang="en-US"/>
+          </a:p>
+        </p:txBody>
+      </p:sp>
+      <p:sp>
+        <p:nvSpPr>
+          <p:cNvPr id="33" name="椭圆 32"/>
+          <p:cNvSpPr/>
+          <p:nvPr/>
+        </p:nvSpPr>
+        <p:spPr>
+          <a:xfrm>
+            <a:off x="2928926" y="3000372"/>
+            <a:ext cx="357190" cy="357190"/>
+          </a:xfrm>
+          <a:prstGeom prst="ellipse">
+            <a:avLst/>
+          </a:prstGeom>
+          <a:solidFill>
+            <a:schemeClr val="accent2"/>
+          </a:solidFill>
+        </p:spPr>
+        <p:style>
+          <a:lnRef idx="2">
+            <a:schemeClr val="accent1">
+              <a:shade val="50000"/>
+            </a:schemeClr>
+          </a:lnRef>
+          <a:fillRef idx="1">
+            <a:schemeClr val="accent1"/>
+          </a:fillRef>
+          <a:effectRef idx="0">
+            <a:schemeClr val="accent1"/>
+          </a:effectRef>
+          <a:fontRef idx="minor">
+            <a:schemeClr val="lt1"/>
+          </a:fontRef>
+        </p:style>
+        <p:txBody>
+          <a:bodyPr rtlCol="0" anchor="ctr"/>
+          <a:lstStyle/>
+          <a:p>
+            <a:pPr algn="ctr"/>
+            <a:endParaRPr lang="zh-CN" altLang="en-US"/>
+          </a:p>
+        </p:txBody>
+      </p:sp>
+      <p:sp>
+        <p:nvSpPr>
+          <p:cNvPr id="47" name="TextBox 46"/>
+          <p:cNvSpPr txBox="1"/>
+          <p:nvPr/>
+        </p:nvSpPr>
+        <p:spPr>
+          <a:xfrm>
+            <a:off x="928662" y="4143380"/>
+            <a:ext cx="860877" cy="553998"/>
+          </a:xfrm>
+          <a:prstGeom prst="rect">
+            <a:avLst/>
+          </a:prstGeom>
+          <a:noFill/>
+        </p:spPr>
+        <p:txBody>
+          <a:bodyPr wrap="none" rtlCol="0">
+            <a:spAutoFit/>
+          </a:bodyPr>
+          <a:lstStyle/>
+          <a:p>
+            <a:r>
+              <a:rPr lang="en-US" altLang="zh-CN" sz="1200" dirty="0" smtClean="0"/>
+              <a:t>Connector,</a:t>
+            </a:r>
+          </a:p>
+          <a:p>
+            <a:endParaRPr lang="zh-CN" altLang="en-US" dirty="0"/>
           </a:p>
         </p:txBody>
       </p:sp>
